--- a/Lectures/Class_2.pptx
+++ b/Lectures/Class_2.pptx
@@ -207,7 +207,7 @@
           <a:p>
             <a:fld id="{54847EFF-C863-C140-9952-3F1EB1196378}" type="datetimeFigureOut">
               <a:rPr lang="en-US" smtClean="0"/>
-              <a:t>1/19/20</a:t>
+              <a:t>1/21/20</a:t>
             </a:fld>
             <a:endParaRPr lang="en-US"/>
           </a:p>
@@ -606,7 +606,7 @@
           <a:p>
             <a:fld id="{5D36DD4B-AC82-DE42-B24B-3A0669FDECBA}" type="datetimeFigureOut">
               <a:rPr lang="en-US" smtClean="0"/>
-              <a:t>1/19/20</a:t>
+              <a:t>1/21/20</a:t>
             </a:fld>
             <a:endParaRPr lang="en-US"/>
           </a:p>
@@ -776,7 +776,7 @@
           <a:p>
             <a:fld id="{5D36DD4B-AC82-DE42-B24B-3A0669FDECBA}" type="datetimeFigureOut">
               <a:rPr lang="en-US" smtClean="0"/>
-              <a:t>1/19/20</a:t>
+              <a:t>1/21/20</a:t>
             </a:fld>
             <a:endParaRPr lang="en-US"/>
           </a:p>
@@ -956,7 +956,7 @@
           <a:p>
             <a:fld id="{5D36DD4B-AC82-DE42-B24B-3A0669FDECBA}" type="datetimeFigureOut">
               <a:rPr lang="en-US" smtClean="0"/>
-              <a:t>1/19/20</a:t>
+              <a:t>1/21/20</a:t>
             </a:fld>
             <a:endParaRPr lang="en-US"/>
           </a:p>
@@ -1126,7 +1126,7 @@
           <a:p>
             <a:fld id="{5D36DD4B-AC82-DE42-B24B-3A0669FDECBA}" type="datetimeFigureOut">
               <a:rPr lang="en-US" smtClean="0"/>
-              <a:t>1/19/20</a:t>
+              <a:t>1/21/20</a:t>
             </a:fld>
             <a:endParaRPr lang="en-US"/>
           </a:p>
@@ -1372,7 +1372,7 @@
           <a:p>
             <a:fld id="{5D36DD4B-AC82-DE42-B24B-3A0669FDECBA}" type="datetimeFigureOut">
               <a:rPr lang="en-US" smtClean="0"/>
-              <a:t>1/19/20</a:t>
+              <a:t>1/21/20</a:t>
             </a:fld>
             <a:endParaRPr lang="en-US"/>
           </a:p>
@@ -1604,7 +1604,7 @@
           <a:p>
             <a:fld id="{5D36DD4B-AC82-DE42-B24B-3A0669FDECBA}" type="datetimeFigureOut">
               <a:rPr lang="en-US" smtClean="0"/>
-              <a:t>1/19/20</a:t>
+              <a:t>1/21/20</a:t>
             </a:fld>
             <a:endParaRPr lang="en-US"/>
           </a:p>
@@ -1971,7 +1971,7 @@
           <a:p>
             <a:fld id="{5D36DD4B-AC82-DE42-B24B-3A0669FDECBA}" type="datetimeFigureOut">
               <a:rPr lang="en-US" smtClean="0"/>
-              <a:t>1/19/20</a:t>
+              <a:t>1/21/20</a:t>
             </a:fld>
             <a:endParaRPr lang="en-US"/>
           </a:p>
@@ -2089,7 +2089,7 @@
           <a:p>
             <a:fld id="{5D36DD4B-AC82-DE42-B24B-3A0669FDECBA}" type="datetimeFigureOut">
               <a:rPr lang="en-US" smtClean="0"/>
-              <a:t>1/19/20</a:t>
+              <a:t>1/21/20</a:t>
             </a:fld>
             <a:endParaRPr lang="en-US"/>
           </a:p>
@@ -2184,7 +2184,7 @@
           <a:p>
             <a:fld id="{5D36DD4B-AC82-DE42-B24B-3A0669FDECBA}" type="datetimeFigureOut">
               <a:rPr lang="en-US" smtClean="0"/>
-              <a:t>1/19/20</a:t>
+              <a:t>1/21/20</a:t>
             </a:fld>
             <a:endParaRPr lang="en-US"/>
           </a:p>
@@ -2461,7 +2461,7 @@
           <a:p>
             <a:fld id="{5D36DD4B-AC82-DE42-B24B-3A0669FDECBA}" type="datetimeFigureOut">
               <a:rPr lang="en-US" smtClean="0"/>
-              <a:t>1/19/20</a:t>
+              <a:t>1/21/20</a:t>
             </a:fld>
             <a:endParaRPr lang="en-US"/>
           </a:p>
@@ -2714,7 +2714,7 @@
           <a:p>
             <a:fld id="{5D36DD4B-AC82-DE42-B24B-3A0669FDECBA}" type="datetimeFigureOut">
               <a:rPr lang="en-US" smtClean="0"/>
-              <a:t>1/19/20</a:t>
+              <a:t>1/21/20</a:t>
             </a:fld>
             <a:endParaRPr lang="en-US"/>
           </a:p>
@@ -2927,7 +2927,7 @@
           <a:p>
             <a:fld id="{5D36DD4B-AC82-DE42-B24B-3A0669FDECBA}" type="datetimeFigureOut">
               <a:rPr lang="en-US" smtClean="0"/>
-              <a:t>1/19/20</a:t>
+              <a:t>1/21/20</a:t>
             </a:fld>
             <a:endParaRPr lang="en-US"/>
           </a:p>
@@ -3384,8 +3384,16 @@
           </a:p>
           <a:p>
             <a:r>
-              <a:rPr lang="en-US" dirty="0" smtClean="0"/>
-              <a:t>Class 1: Overview of the Field and Data Collection</a:t>
+              <a:rPr lang="en-US" smtClean="0"/>
+              <a:t>Class </a:t>
+            </a:r>
+            <a:r>
+              <a:rPr lang="en-US" smtClean="0"/>
+              <a:t>2: </a:t>
+            </a:r>
+            <a:r>
+              <a:rPr lang="en-US" dirty="0" smtClean="0"/>
+              <a:t>Overview of the Field and Data Collection</a:t>
             </a:r>
             <a:endParaRPr lang="en-US" dirty="0"/>
           </a:p>
